--- a/动态开题报告论文答辩PPT模板.pptx
+++ b/动态开题报告论文答辩PPT模板.pptx
@@ -19971,171 +19971,6 @@
           </a:p>
         </p:txBody>
       </p:sp>
-      <p:sp>
-        <p:nvSpPr>
-          <p:cNvPr id="17" name="文本框 16"/>
-          <p:cNvSpPr txBox="1">
-            <a:spLocks noChangeArrowheads="1"/>
-          </p:cNvSpPr>
-          <p:nvPr/>
-        </p:nvSpPr>
-        <p:spPr bwMode="auto">
-          <a:xfrm>
-            <a:off x="10264775" y="6538913"/>
-            <a:ext cx="1500188" cy="400050"/>
-          </a:xfrm>
-          <a:prstGeom prst="rect">
-            <a:avLst/>
-          </a:prstGeom>
-          <a:noFill/>
-          <a:ln>
-            <a:noFill/>
-          </a:ln>
-          <a:extLst>
-            <a:ext uri="{909E8E84-426E-40DD-AFC4-6F175D3DCCD1}">
-              <a14:hiddenFill xmlns:a14="http://schemas.microsoft.com/office/drawing/2010/main">
-                <a:solidFill>
-                  <a:srgbClr val="FFFFFF"/>
-                </a:solidFill>
-              </a14:hiddenFill>
-            </a:ext>
-            <a:ext uri="{91240B29-F687-4F45-9708-019B960494DF}">
-              <a14:hiddenLine xmlns:a14="http://schemas.microsoft.com/office/drawing/2010/main" w="9525">
-                <a:solidFill>
-                  <a:srgbClr val="000000"/>
-                </a:solidFill>
-                <a:miter lim="800000"/>
-                <a:headEnd/>
-                <a:tailEnd/>
-              </a14:hiddenLine>
-            </a:ext>
-          </a:extLst>
-        </p:spPr>
-        <p:txBody>
-          <a:bodyPr>
-            <a:spAutoFit/>
-          </a:bodyPr>
-          <a:lstStyle>
-            <a:lvl1pPr>
-              <a:defRPr sz="2800">
-                <a:solidFill>
-                  <a:schemeClr val="tx1"/>
-                </a:solidFill>
-                <a:latin typeface="Calibri" pitchFamily="34" charset="0"/>
-                <a:ea typeface="宋体" pitchFamily="2" charset="-122"/>
-              </a:defRPr>
-            </a:lvl1pPr>
-            <a:lvl2pPr marL="742950" indent="-285750">
-              <a:defRPr sz="2400">
-                <a:solidFill>
-                  <a:schemeClr val="tx1"/>
-                </a:solidFill>
-                <a:latin typeface="Calibri" pitchFamily="34" charset="0"/>
-                <a:ea typeface="宋体" pitchFamily="2" charset="-122"/>
-              </a:defRPr>
-            </a:lvl2pPr>
-            <a:lvl3pPr>
-              <a:defRPr sz="2000">
-                <a:solidFill>
-                  <a:schemeClr val="tx1"/>
-                </a:solidFill>
-                <a:latin typeface="Calibri" pitchFamily="34" charset="0"/>
-                <a:ea typeface="宋体" pitchFamily="2" charset="-122"/>
-              </a:defRPr>
-            </a:lvl3pPr>
-            <a:lvl4pPr>
-              <a:defRPr>
-                <a:solidFill>
-                  <a:schemeClr val="tx1"/>
-                </a:solidFill>
-                <a:latin typeface="Calibri" pitchFamily="34" charset="0"/>
-                <a:ea typeface="宋体" pitchFamily="2" charset="-122"/>
-              </a:defRPr>
-            </a:lvl4pPr>
-            <a:lvl5pPr>
-              <a:defRPr>
-                <a:solidFill>
-                  <a:schemeClr val="tx1"/>
-                </a:solidFill>
-                <a:latin typeface="Calibri" pitchFamily="34" charset="0"/>
-                <a:ea typeface="宋体" pitchFamily="2" charset="-122"/>
-              </a:defRPr>
-            </a:lvl5pPr>
-            <a:lvl6pPr eaLnBrk="0" fontAlgn="base" hangingPunct="0">
-              <a:spcAft>
-                <a:spcPct val="0"/>
-              </a:spcAft>
-              <a:buFont typeface="Arial" charset="0"/>
-              <a:defRPr>
-                <a:solidFill>
-                  <a:schemeClr val="tx1"/>
-                </a:solidFill>
-                <a:latin typeface="Calibri" pitchFamily="34" charset="0"/>
-                <a:ea typeface="宋体" pitchFamily="2" charset="-122"/>
-              </a:defRPr>
-            </a:lvl6pPr>
-            <a:lvl7pPr eaLnBrk="0" fontAlgn="base" hangingPunct="0">
-              <a:spcAft>
-                <a:spcPct val="0"/>
-              </a:spcAft>
-              <a:buFont typeface="Arial" charset="0"/>
-              <a:defRPr>
-                <a:solidFill>
-                  <a:schemeClr val="tx1"/>
-                </a:solidFill>
-                <a:latin typeface="Calibri" pitchFamily="34" charset="0"/>
-                <a:ea typeface="宋体" pitchFamily="2" charset="-122"/>
-              </a:defRPr>
-            </a:lvl7pPr>
-            <a:lvl8pPr eaLnBrk="0" fontAlgn="base" hangingPunct="0">
-              <a:spcAft>
-                <a:spcPct val="0"/>
-              </a:spcAft>
-              <a:buFont typeface="Arial" charset="0"/>
-              <a:defRPr>
-                <a:solidFill>
-                  <a:schemeClr val="tx1"/>
-                </a:solidFill>
-                <a:latin typeface="Calibri" pitchFamily="34" charset="0"/>
-                <a:ea typeface="宋体" pitchFamily="2" charset="-122"/>
-              </a:defRPr>
-            </a:lvl8pPr>
-            <a:lvl9pPr eaLnBrk="0" fontAlgn="base" hangingPunct="0">
-              <a:spcAft>
-                <a:spcPct val="0"/>
-              </a:spcAft>
-              <a:buFont typeface="Arial" charset="0"/>
-              <a:defRPr>
-                <a:solidFill>
-                  <a:schemeClr val="tx1"/>
-                </a:solidFill>
-                <a:latin typeface="Calibri" pitchFamily="34" charset="0"/>
-                <a:ea typeface="宋体" pitchFamily="2" charset="-122"/>
-              </a:defRPr>
-            </a:lvl9pPr>
-          </a:lstStyle>
-          <a:p>
-            <a:pPr algn="ctr" eaLnBrk="1" hangingPunct="1"/>
-            <a:r>
-              <a:rPr lang="en-US" altLang="zh-CN" sz="2000">
-                <a:solidFill>
-                  <a:srgbClr val="044875"/>
-                </a:solidFill>
-                <a:latin typeface="微软雅黑" pitchFamily="34" charset="-122"/>
-                <a:ea typeface="微软雅黑" pitchFamily="34" charset="-122"/>
-              </a:rPr>
-              <a:t>LOGO</a:t>
-            </a:r>
-            <a:endParaRPr lang="zh-CN" altLang="en-US" sz="2000">
-              <a:solidFill>
-                <a:srgbClr val="044875"/>
-              </a:solidFill>
-              <a:latin typeface="微软雅黑" pitchFamily="34" charset="-122"/>
-              <a:ea typeface="微软雅黑" pitchFamily="34" charset="-122"/>
-            </a:endParaRPr>
-          </a:p>
-        </p:txBody>
-      </p:sp>
       <p:grpSp>
         <p:nvGrpSpPr>
           <p:cNvPr id="2" name="组合 1"/>
@@ -20163,9 +19998,9 @@
           <p:grpSpPr bwMode="auto">
             <a:xfrm>
               <a:off x="238407" y="781231"/>
-              <a:ext cx="5725334" cy="1926421"/>
+              <a:ext cx="5712639" cy="1737591"/>
               <a:chOff x="238407" y="781231"/>
-              <a:chExt cx="5725334" cy="1926421"/>
+              <a:chExt cx="5712639" cy="1737591"/>
             </a:xfrm>
           </p:grpSpPr>
           <p:sp>
@@ -20359,133 +20194,6 @@
               </a:p>
             </p:txBody>
           </p:sp>
-          <p:grpSp>
-            <p:nvGrpSpPr>
-              <p:cNvPr id="9290" name="组合 78"/>
-              <p:cNvGrpSpPr>
-                <a:grpSpLocks/>
-              </p:cNvGrpSpPr>
-              <p:nvPr/>
-            </p:nvGrpSpPr>
-            <p:grpSpPr bwMode="auto">
-              <a:xfrm>
-                <a:off x="5388073" y="2215732"/>
-                <a:ext cx="575668" cy="491920"/>
-                <a:chOff x="5531263" y="2381042"/>
-                <a:chExt cx="432323" cy="369429"/>
-              </a:xfrm>
-            </p:grpSpPr>
-            <p:sp>
-              <p:nvSpPr>
-                <p:cNvPr id="77" name="矩形 76"/>
-                <p:cNvSpPr/>
-                <p:nvPr/>
-              </p:nvSpPr>
-              <p:spPr>
-                <a:xfrm>
-                  <a:off x="5594053" y="2381042"/>
-                  <a:ext cx="369533" cy="369429"/>
-                </a:xfrm>
-                <a:prstGeom prst="rect">
-                  <a:avLst/>
-                </a:prstGeom>
-                <a:solidFill>
-                  <a:schemeClr val="bg2">
-                    <a:lumMod val="25000"/>
-                  </a:schemeClr>
-                </a:solidFill>
-                <a:ln>
-                  <a:noFill/>
-                </a:ln>
-              </p:spPr>
-              <p:style>
-                <a:lnRef idx="2">
-                  <a:schemeClr val="accent1">
-                    <a:shade val="50000"/>
-                  </a:schemeClr>
-                </a:lnRef>
-                <a:fillRef idx="1">
-                  <a:schemeClr val="accent1"/>
-                </a:fillRef>
-                <a:effectRef idx="0">
-                  <a:schemeClr val="accent1"/>
-                </a:effectRef>
-                <a:fontRef idx="minor">
-                  <a:schemeClr val="lt1"/>
-                </a:fontRef>
-              </p:style>
-              <p:txBody>
-                <a:bodyPr anchor="ctr"/>
-                <a:lstStyle/>
-                <a:p>
-                  <a:pPr algn="ctr" eaLnBrk="1" fontAlgn="auto" hangingPunct="1">
-                    <a:spcBef>
-                      <a:spcPts val="0"/>
-                    </a:spcBef>
-                    <a:spcAft>
-                      <a:spcPts val="0"/>
-                    </a:spcAft>
-                    <a:defRPr/>
-                  </a:pPr>
-                  <a:endParaRPr lang="zh-CN" altLang="en-US"/>
-                </a:p>
-              </p:txBody>
-            </p:sp>
-            <p:sp>
-              <p:nvSpPr>
-                <p:cNvPr id="78" name="矩形 77"/>
-                <p:cNvSpPr/>
-                <p:nvPr/>
-              </p:nvSpPr>
-              <p:spPr>
-                <a:xfrm>
-                  <a:off x="5531263" y="2415432"/>
-                  <a:ext cx="255097" cy="255025"/>
-                </a:xfrm>
-                <a:prstGeom prst="rect">
-                  <a:avLst/>
-                </a:prstGeom>
-                <a:solidFill>
-                  <a:srgbClr val="044875"/>
-                </a:solidFill>
-                <a:ln>
-                  <a:noFill/>
-                </a:ln>
-              </p:spPr>
-              <p:style>
-                <a:lnRef idx="2">
-                  <a:schemeClr val="accent1">
-                    <a:shade val="50000"/>
-                  </a:schemeClr>
-                </a:lnRef>
-                <a:fillRef idx="1">
-                  <a:schemeClr val="accent1"/>
-                </a:fillRef>
-                <a:effectRef idx="0">
-                  <a:schemeClr val="accent1"/>
-                </a:effectRef>
-                <a:fontRef idx="minor">
-                  <a:schemeClr val="lt1"/>
-                </a:fontRef>
-              </p:style>
-              <p:txBody>
-                <a:bodyPr anchor="ctr"/>
-                <a:lstStyle/>
-                <a:p>
-                  <a:pPr algn="ctr" eaLnBrk="1" fontAlgn="auto" hangingPunct="1">
-                    <a:spcBef>
-                      <a:spcPts val="0"/>
-                    </a:spcBef>
-                    <a:spcAft>
-                      <a:spcPts val="0"/>
-                    </a:spcAft>
-                    <a:defRPr/>
-                  </a:pPr>
-                  <a:endParaRPr lang="zh-CN" altLang="en-US"/>
-                </a:p>
-              </p:txBody>
-            </p:sp>
-          </p:grpSp>
         </p:grpSp>
         <p:sp>
           <p:nvSpPr>
@@ -21176,59 +20884,24 @@
                                   </p:childTnLst>
                                 </p:cTn>
                               </p:par>
+                            </p:childTnLst>
+                          </p:cTn>
+                        </p:par>
+                        <p:par>
+                          <p:cTn id="22" fill="hold" nodeType="afterGroup">
+                            <p:stCondLst>
+                              <p:cond delay="500"/>
+                            </p:stCondLst>
+                            <p:childTnLst>
                               <p:par>
-                                <p:cTn id="22" presetID="10" presetClass="entr" presetSubtype="0" fill="hold" grpId="0" nodeType="withEffect">
+                                <p:cTn id="23" presetID="21" presetClass="entr" presetSubtype="1" fill="hold" nodeType="afterEffect">
                                   <p:stCondLst>
                                     <p:cond delay="0"/>
                                   </p:stCondLst>
                                   <p:childTnLst>
                                     <p:set>
                                       <p:cBhvr>
-                                        <p:cTn id="23" dur="1" fill="hold">
-                                          <p:stCondLst>
-                                            <p:cond delay="0"/>
-                                          </p:stCondLst>
-                                        </p:cTn>
-                                        <p:tgtEl>
-                                          <p:spTgt spid="17"/>
-                                        </p:tgtEl>
-                                        <p:attrNameLst>
-                                          <p:attrName>style.visibility</p:attrName>
-                                        </p:attrNameLst>
-                                      </p:cBhvr>
-                                      <p:to>
-                                        <p:strVal val="visible"/>
-                                      </p:to>
-                                    </p:set>
-                                    <p:animEffect transition="in" filter="fade">
-                                      <p:cBhvr>
-                                        <p:cTn id="24" dur="500"/>
-                                        <p:tgtEl>
-                                          <p:spTgt spid="17"/>
-                                        </p:tgtEl>
-                                      </p:cBhvr>
-                                    </p:animEffect>
-                                  </p:childTnLst>
-                                </p:cTn>
-                              </p:par>
-                            </p:childTnLst>
-                          </p:cTn>
-                        </p:par>
-                        <p:par>
-                          <p:cTn id="25" fill="hold" nodeType="afterGroup">
-                            <p:stCondLst>
-                              <p:cond delay="500"/>
-                            </p:stCondLst>
-                            <p:childTnLst>
-                              <p:par>
-                                <p:cTn id="26" presetID="21" presetClass="entr" presetSubtype="1" fill="hold" nodeType="afterEffect">
-                                  <p:stCondLst>
-                                    <p:cond delay="0"/>
-                                  </p:stCondLst>
-                                  <p:childTnLst>
-                                    <p:set>
-                                      <p:cBhvr>
-                                        <p:cTn id="27" dur="1" fill="hold">
+                                        <p:cTn id="24" dur="1" fill="hold">
                                           <p:stCondLst>
                                             <p:cond delay="0"/>
                                           </p:stCondLst>
@@ -21246,7 +20919,7 @@
                                     </p:set>
                                     <p:animEffect transition="in" filter="wheel(1)">
                                       <p:cBhvr>
-                                        <p:cTn id="28" dur="2000"/>
+                                        <p:cTn id="25" dur="2000"/>
                                         <p:tgtEl>
                                           <p:spTgt spid="2"/>
                                         </p:tgtEl>
@@ -21287,7 +20960,6 @@
       <p:bldP spid="11" grpId="0" animBg="1"/>
       <p:bldP spid="15" grpId="0" animBg="1"/>
       <p:bldP spid="16" grpId="0" animBg="1"/>
-      <p:bldP spid="17" grpId="0"/>
     </p:bldLst>
   </p:timing>
 </p:sld>
